--- a/Tableau Workshop 1-25-23/Lecture Presentation.pptx
+++ b/Tableau Workshop 1-25-23/Lecture Presentation.pptx
@@ -3338,6 +3338,34 @@
               <a:rPr lang="en-US" dirty="0"/>
               <a:t>Work on homework</a:t>
             </a:r>
+          </a:p>
+          <a:p>
+            <a:r>
+              <a:rPr lang="en-US" dirty="0"/>
+              <a:t>Data available at (</a:t>
+            </a:r>
+            <a:r>
+              <a:rPr lang="en-US" dirty="0">
+                <a:hlinkClick r:id="rId2"/>
+              </a:rPr>
+              <a:t>https://github.com/mjahmad/Tableau_Workshops</a:t>
+            </a:r>
+            <a:r>
+              <a:rPr lang="en-US" dirty="0"/>
+              <a:t>)</a:t>
+            </a:r>
+          </a:p>
+          <a:p>
+            <a:pPr lvl="1"/>
+            <a:r>
+              <a:rPr lang="en-US" dirty="0"/>
+              <a:t>Data </a:t>
+            </a:r>
+            <a:r>
+              <a:rPr lang="en-US"/>
+              <a:t>and Presentation are there. </a:t>
+            </a:r>
+            <a:endParaRPr lang="en-US" dirty="0"/>
           </a:p>
         </p:txBody>
       </p:sp>
